--- a/ppt.pptx
+++ b/ppt.pptx
@@ -104,6 +104,11 @@
       </a:defRPr>
     </a:lvl9pPr>
   </p:defaultTextStyle>
+  <p:extLst>
+    <p:ext uri="{EFAFB233-063F-42B5-8137-9DF3F51BA10A}">
+      <p15:sldGuideLst xmlns:p15="http://schemas.microsoft.com/office/powerpoint/2012/main"/>
+    </p:ext>
+  </p:extLst>
 </p:presentation>
 </file>
 
@@ -3365,26 +3370,106 @@
       </p:sp>
       <p:sp>
         <p:nvSpPr>
-          <p:cNvPr id="3" name="Subtitle 2">
-            <a:extLst>
-              <a:ext uri="{FF2B5EF4-FFF2-40B4-BE49-F238E27FC236}">
-                <a16:creationId xmlns:a16="http://schemas.microsoft.com/office/drawing/2014/main" id="{6E8C95B7-107C-4D85-B74E-F1232E3D449F}"/>
-              </a:ext>
-            </a:extLst>
-          </p:cNvPr>
-          <p:cNvSpPr>
-            <a:spLocks noGrp="1"/>
+          <p:cNvPr id="4" name="Rectangle 1">
+            <a:extLst>
+              <a:ext uri="{FF2B5EF4-FFF2-40B4-BE49-F238E27FC236}">
+                <a16:creationId xmlns:a16="http://schemas.microsoft.com/office/drawing/2014/main" id="{ACA1EA43-4497-49C1-86B1-28015837B0C3}"/>
+              </a:ext>
+            </a:extLst>
+          </p:cNvPr>
+          <p:cNvSpPr>
+            <a:spLocks noGrp="1" noChangeArrowheads="1"/>
           </p:cNvSpPr>
           <p:nvPr>
             <p:ph type="subTitle" idx="1"/>
           </p:nvPr>
         </p:nvSpPr>
-        <p:spPr/>
-        <p:txBody>
-          <a:bodyPr/>
-          <a:lstStyle/>
-          <a:p>
-            <a:endParaRPr lang="en-US"/>
+        <p:spPr bwMode="auto">
+          <a:prstGeom prst="rect">
+            <a:avLst/>
+          </a:prstGeom>
+          <a:noFill/>
+          <a:ln>
+            <a:noFill/>
+          </a:ln>
+          <a:effectLst/>
+          <a:extLst>
+            <a:ext uri="{909E8E84-426E-40DD-AFC4-6F175D3DCCD1}">
+              <a14:hiddenFill xmlns:a14="http://schemas.microsoft.com/office/drawing/2010/main">
+                <a:solidFill>
+                  <a:schemeClr val="accent1"/>
+                </a:solidFill>
+              </a14:hiddenFill>
+            </a:ext>
+            <a:ext uri="{91240B29-F687-4F45-9708-019B960494DF}">
+              <a14:hiddenLine xmlns:a14="http://schemas.microsoft.com/office/drawing/2010/main" w="9525">
+                <a:solidFill>
+                  <a:schemeClr val="tx1"/>
+                </a:solidFill>
+                <a:miter lim="800000"/>
+                <a:headEnd/>
+                <a:tailEnd/>
+              </a14:hiddenLine>
+            </a:ext>
+            <a:ext uri="{AF507438-7753-43E0-B8FC-AC1667EBCBE1}">
+              <a14:hiddenEffects xmlns:a14="http://schemas.microsoft.com/office/drawing/2010/main">
+                <a:effectLst>
+                  <a:outerShdw dist="35921" dir="2700000" algn="ctr" rotWithShape="0">
+                    <a:schemeClr val="bg2"/>
+                  </a:outerShdw>
+                </a:effectLst>
+              </a14:hiddenEffects>
+            </a:ext>
+          </a:extLst>
+        </p:spPr>
+        <p:txBody>
+          <a:bodyPr vert="horz" wrap="none" lIns="0" tIns="0" rIns="0" bIns="0" numCol="1" anchor="ctr" anchorCtr="0" compatLnSpc="1">
+            <a:prstTxWarp prst="textNoShape">
+              <a:avLst/>
+            </a:prstTxWarp>
+            <a:spAutoFit/>
+          </a:bodyPr>
+          <a:lstStyle/>
+          <a:p>
+            <a:pPr marL="0" marR="0" lvl="0" indent="0" algn="l" defTabSz="914400" rtl="0" eaLnBrk="0" fontAlgn="base" latinLnBrk="0" hangingPunct="0">
+              <a:lnSpc>
+                <a:spcPct val="100000"/>
+              </a:lnSpc>
+              <a:spcBef>
+                <a:spcPct val="0"/>
+              </a:spcBef>
+              <a:spcAft>
+                <a:spcPct val="0"/>
+              </a:spcAft>
+              <a:buClrTx/>
+              <a:buSzTx/>
+              <a:buFontTx/>
+              <a:buNone/>
+              <a:tabLst/>
+            </a:pPr>
+            <a:r>
+              <a:rPr kumimoji="0" lang="en-US" altLang="en-US" sz="900" b="0" i="0" u="none" strike="noStrike" cap="none" normalizeH="0" baseline="0">
+                <a:ln>
+                  <a:noFill/>
+                </a:ln>
+                <a:solidFill>
+                  <a:srgbClr val="C9D1D9"/>
+                </a:solidFill>
+                <a:effectLst/>
+                <a:latin typeface="ui-monospace"/>
+              </a:rPr>
+              <a:t>git add . git commit -m "fixed untracked files" </a:t>
+            </a:r>
+            <a:endParaRPr kumimoji="0" lang="en-US" altLang="en-US" sz="1800" b="0" i="0" u="none" strike="noStrike" cap="none" normalizeH="0" baseline="0">
+              <a:ln>
+                <a:noFill/>
+              </a:ln>
+              <a:solidFill>
+                <a:schemeClr val="tx1"/>
+              </a:solidFill>
+              <a:effectLst/>
+              <a:latin typeface="Arial" panose="020B0604020202020204" pitchFamily="34" charset="0"/>
+            </a:endParaRPr>
           </a:p>
         </p:txBody>
       </p:sp>

--- a/ppt.pptx
+++ b/ppt.pptx
@@ -3347,24 +3347,7 @@
           <a:bodyPr/>
           <a:lstStyle/>
           <a:p>
-            <a:r>
-              <a:rPr lang="en-US" sz="1800">
-                <a:effectLst/>
-                <a:latin typeface="Calibri" panose="020F0502020204030204" pitchFamily="34" charset="0"/>
-                <a:ea typeface="Calibri" panose="020F0502020204030204" pitchFamily="34" charset="0"/>
-                <a:cs typeface="Times New Roman" panose="02020603050405020304" pitchFamily="18" charset="0"/>
-              </a:rPr>
-              <a:t>Gaurav</a:t>
-            </a:r>
-            <a:br>
-              <a:rPr lang="en-US" sz="1800">
-                <a:effectLst/>
-                <a:latin typeface="Calibri" panose="020F0502020204030204" pitchFamily="34" charset="0"/>
-                <a:ea typeface="Calibri" panose="020F0502020204030204" pitchFamily="34" charset="0"/>
-                <a:cs typeface="Times New Roman" panose="02020603050405020304" pitchFamily="18" charset="0"/>
-              </a:rPr>
-            </a:br>
-            <a:endParaRPr lang="en-US"/>
+            <a:endParaRPr lang="en-US" dirty="0"/>
           </a:p>
         </p:txBody>
       </p:sp>
